--- a/slides/Apache Spark - Chapitre 0-0 - Introduction Big Data - Hadoop Ecosystem.pptx
+++ b/slides/Apache Spark - Chapitre 0-0 - Introduction Big Data - Hadoop Ecosystem.pptx
@@ -5,7 +5,7 @@
     <p:sldMasterId id="2147483659" r:id="rId1"/>
   </p:sldMasterIdLst>
   <p:notesMasterIdLst>
-    <p:notesMasterId r:id="rId30"/>
+    <p:notesMasterId r:id="rId29"/>
   </p:notesMasterIdLst>
   <p:sldIdLst>
     <p:sldId id="256" r:id="rId2"/>
@@ -35,17 +35,16 @@
     <p:sldId id="296" r:id="rId26"/>
     <p:sldId id="297" r:id="rId27"/>
     <p:sldId id="298" r:id="rId28"/>
-    <p:sldId id="300" r:id="rId29"/>
   </p:sldIdLst>
   <p:sldSz cx="9144000" cy="5143500" type="screen16x9"/>
   <p:notesSz cx="6858000" cy="9144000"/>
   <p:embeddedFontLst>
     <p:embeddedFont>
       <p:font typeface="Roboto" panose="02000000000000000000" pitchFamily="2" charset="0"/>
-      <p:regular r:id="rId31"/>
-      <p:bold r:id="rId32"/>
-      <p:italic r:id="rId33"/>
-      <p:boldItalic r:id="rId34"/>
+      <p:regular r:id="rId30"/>
+      <p:bold r:id="rId31"/>
+      <p:italic r:id="rId32"/>
+      <p:boldItalic r:id="rId33"/>
     </p:embeddedFont>
   </p:embeddedFontLst>
   <p:defaultTextStyle>
@@ -2978,110 +2977,6 @@
       <p:sp>
         <p:nvSpPr>
           <p:cNvPr id="849" name="Google Shape;849;g620b4f3a23_0_366:notes"/>
-          <p:cNvSpPr txBox="1">
-            <a:spLocks noGrp="1"/>
-          </p:cNvSpPr>
-          <p:nvPr>
-            <p:ph type="body" idx="1"/>
-          </p:nvPr>
-        </p:nvSpPr>
-        <p:spPr>
-          <a:xfrm>
-            <a:off x="685800" y="4343400"/>
-            <a:ext cx="5486400" cy="4114800"/>
-          </a:xfrm>
-          <a:prstGeom prst="rect">
-            <a:avLst/>
-          </a:prstGeom>
-        </p:spPr>
-        <p:txBody>
-          <a:bodyPr spcFirstLastPara="1" wrap="square" lIns="91425" tIns="91425" rIns="91425" bIns="91425" anchor="t" anchorCtr="0">
-            <a:noAutofit/>
-          </a:bodyPr>
-          <a:lstStyle/>
-          <a:p>
-            <a:pPr marL="0" lvl="0" indent="0" algn="l" rtl="0">
-              <a:spcBef>
-                <a:spcPts val="0"/>
-              </a:spcBef>
-              <a:spcAft>
-                <a:spcPts val="0"/>
-              </a:spcAft>
-              <a:buNone/>
-            </a:pPr>
-            <a:endParaRPr/>
-          </a:p>
-        </p:txBody>
-      </p:sp>
-    </p:spTree>
-  </p:cSld>
-  <p:clrMapOvr>
-    <a:masterClrMapping/>
-  </p:clrMapOvr>
-</p:notes>
-</file>
-
-<file path=ppt/notesSlides/notesSlide28.xml><?xml version="1.0" encoding="utf-8"?>
-<p:notes xmlns:a="http://schemas.openxmlformats.org/drawingml/2006/main" xmlns:r="http://schemas.openxmlformats.org/officeDocument/2006/relationships" xmlns:p="http://schemas.openxmlformats.org/presentationml/2006/main" showMasterSp="0" showMasterPhAnim="0">
-  <p:cSld>
-    <p:spTree>
-      <p:nvGrpSpPr>
-        <p:cNvPr id="1" name="Shape 871"/>
-        <p:cNvGrpSpPr/>
-        <p:nvPr/>
-      </p:nvGrpSpPr>
-      <p:grpSpPr>
-        <a:xfrm>
-          <a:off x="0" y="0"/>
-          <a:ext cx="0" cy="0"/>
-          <a:chOff x="0" y="0"/>
-          <a:chExt cx="0" cy="0"/>
-        </a:xfrm>
-      </p:grpSpPr>
-      <p:sp>
-        <p:nvSpPr>
-          <p:cNvPr id="872" name="Google Shape;872;g620b4f3a23_0_565:notes"/>
-          <p:cNvSpPr>
-            <a:spLocks noGrp="1" noRot="1" noChangeAspect="1"/>
-          </p:cNvSpPr>
-          <p:nvPr>
-            <p:ph type="sldImg" idx="2"/>
-          </p:nvPr>
-        </p:nvSpPr>
-        <p:spPr>
-          <a:xfrm>
-            <a:off x="381000" y="685800"/>
-            <a:ext cx="6096000" cy="3429000"/>
-          </a:xfrm>
-          <a:custGeom>
-            <a:avLst/>
-            <a:gdLst/>
-            <a:ahLst/>
-            <a:cxnLst/>
-            <a:rect l="l" t="t" r="r" b="b"/>
-            <a:pathLst>
-              <a:path w="120000" h="120000" extrusionOk="0">
-                <a:moveTo>
-                  <a:pt x="0" y="0"/>
-                </a:moveTo>
-                <a:lnTo>
-                  <a:pt x="120000" y="0"/>
-                </a:lnTo>
-                <a:lnTo>
-                  <a:pt x="120000" y="120000"/>
-                </a:lnTo>
-                <a:lnTo>
-                  <a:pt x="0" y="120000"/>
-                </a:lnTo>
-                <a:close/>
-              </a:path>
-            </a:pathLst>
-          </a:custGeom>
-        </p:spPr>
-      </p:sp>
-      <p:sp>
-        <p:nvSpPr>
-          <p:cNvPr id="873" name="Google Shape;873;g620b4f3a23_0_565:notes"/>
           <p:cNvSpPr txBox="1">
             <a:spLocks noGrp="1"/>
           </p:cNvSpPr>
@@ -10256,7 +10151,7 @@
           <a:p>
             <a:pPr lvl="0"/>
             <a:r>
-              <a:rPr lang="fr" dirty="0" err="1">
+              <a:rPr lang="fr">
                 <a:solidFill>
                   <a:srgbClr val="4A86E8"/>
                 </a:solidFill>
@@ -10265,19 +10160,7 @@
                 <a:cs typeface="Georgia"/>
                 <a:sym typeface="Georgia"/>
               </a:rPr>
-              <a:t>Apche</a:t>
-            </a:r>
-            <a:r>
-              <a:rPr lang="fr" dirty="0">
-                <a:solidFill>
-                  <a:srgbClr val="4A86E8"/>
-                </a:solidFill>
-                <a:latin typeface="Georgia"/>
-                <a:ea typeface="Georgia"/>
-                <a:cs typeface="Georgia"/>
-                <a:sym typeface="Georgia"/>
-              </a:rPr>
-              <a:t> </a:t>
+              <a:t>Apache </a:t>
             </a:r>
             <a:r>
               <a:rPr lang="fr" dirty="0" err="1">
@@ -33722,305 +33605,6 @@
 </p:sld>
 </file>
 
-<file path=ppt/slides/slide28.xml><?xml version="1.0" encoding="utf-8"?>
-<p:sld xmlns:a="http://schemas.openxmlformats.org/drawingml/2006/main" xmlns:r="http://schemas.openxmlformats.org/officeDocument/2006/relationships" xmlns:p="http://schemas.openxmlformats.org/presentationml/2006/main">
-  <p:cSld>
-    <p:spTree>
-      <p:nvGrpSpPr>
-        <p:cNvPr id="1" name="Shape 874"/>
-        <p:cNvGrpSpPr/>
-        <p:nvPr/>
-      </p:nvGrpSpPr>
-      <p:grpSpPr>
-        <a:xfrm>
-          <a:off x="0" y="0"/>
-          <a:ext cx="0" cy="0"/>
-          <a:chOff x="0" y="0"/>
-          <a:chExt cx="0" cy="0"/>
-        </a:xfrm>
-      </p:grpSpPr>
-      <p:sp>
-        <p:nvSpPr>
-          <p:cNvPr id="875" name="Google Shape;875;p57"/>
-          <p:cNvSpPr txBox="1">
-            <a:spLocks noGrp="1"/>
-          </p:cNvSpPr>
-          <p:nvPr>
-            <p:ph type="title"/>
-          </p:nvPr>
-        </p:nvSpPr>
-        <p:spPr>
-          <a:xfrm>
-            <a:off x="311700" y="0"/>
-            <a:ext cx="8520600" cy="572700"/>
-          </a:xfrm>
-          <a:prstGeom prst="rect">
-            <a:avLst/>
-          </a:prstGeom>
-        </p:spPr>
-        <p:txBody>
-          <a:bodyPr spcFirstLastPara="1" wrap="square" lIns="91425" tIns="91425" rIns="91425" bIns="91425" anchor="t" anchorCtr="0">
-            <a:noAutofit/>
-          </a:bodyPr>
-          <a:lstStyle/>
-          <a:p>
-            <a:pPr marL="0" lvl="0" indent="0" algn="l" rtl="0">
-              <a:spcBef>
-                <a:spcPts val="0"/>
-              </a:spcBef>
-              <a:spcAft>
-                <a:spcPts val="0"/>
-              </a:spcAft>
-              <a:buClr>
-                <a:schemeClr val="dk1"/>
-              </a:buClr>
-              <a:buSzPts val="1100"/>
-              <a:buFont typeface="Arial"/>
-              <a:buNone/>
-            </a:pPr>
-            <a:r>
-              <a:rPr lang="fr">
-                <a:solidFill>
-                  <a:srgbClr val="4A86E8"/>
-                </a:solidFill>
-              </a:rPr>
-              <a:t>Big Data</a:t>
-            </a:r>
-            <a:endParaRPr>
-              <a:solidFill>
-                <a:srgbClr val="4A86E8"/>
-              </a:solidFill>
-            </a:endParaRPr>
-          </a:p>
-          <a:p>
-            <a:pPr marL="0" lvl="0" indent="0" algn="l" rtl="0">
-              <a:spcBef>
-                <a:spcPts val="0"/>
-              </a:spcBef>
-              <a:spcAft>
-                <a:spcPts val="0"/>
-              </a:spcAft>
-              <a:buNone/>
-            </a:pPr>
-            <a:endParaRPr>
-              <a:solidFill>
-                <a:srgbClr val="4A86E8"/>
-              </a:solidFill>
-            </a:endParaRPr>
-          </a:p>
-          <a:p>
-            <a:pPr marL="0" lvl="0" indent="0" algn="l" rtl="0">
-              <a:spcBef>
-                <a:spcPts val="0"/>
-              </a:spcBef>
-              <a:spcAft>
-                <a:spcPts val="0"/>
-              </a:spcAft>
-              <a:buNone/>
-            </a:pPr>
-            <a:endParaRPr>
-              <a:solidFill>
-                <a:srgbClr val="4A86E8"/>
-              </a:solidFill>
-            </a:endParaRPr>
-          </a:p>
-        </p:txBody>
-      </p:sp>
-      <p:sp>
-        <p:nvSpPr>
-          <p:cNvPr id="876" name="Google Shape;876;p57"/>
-          <p:cNvSpPr txBox="1">
-            <a:spLocks noGrp="1"/>
-          </p:cNvSpPr>
-          <p:nvPr>
-            <p:ph type="body" idx="1"/>
-          </p:nvPr>
-        </p:nvSpPr>
-        <p:spPr>
-          <a:xfrm>
-            <a:off x="311700" y="572700"/>
-            <a:ext cx="8520600" cy="4090500"/>
-          </a:xfrm>
-          <a:prstGeom prst="rect">
-            <a:avLst/>
-          </a:prstGeom>
-        </p:spPr>
-        <p:txBody>
-          <a:bodyPr spcFirstLastPara="1" wrap="square" lIns="91425" tIns="91425" rIns="91425" bIns="91425" anchor="t" anchorCtr="0">
-            <a:noAutofit/>
-          </a:bodyPr>
-          <a:lstStyle/>
-          <a:p>
-            <a:pPr marL="0" marR="0" lvl="0" indent="0" algn="ctr" rtl="0">
-              <a:lnSpc>
-                <a:spcPct val="115000"/>
-              </a:lnSpc>
-              <a:spcBef>
-                <a:spcPts val="0"/>
-              </a:spcBef>
-              <a:spcAft>
-                <a:spcPts val="0"/>
-              </a:spcAft>
-              <a:buNone/>
-            </a:pPr>
-            <a:r>
-              <a:rPr lang="fr" sz="3000" b="1" dirty="0" err="1">
-                <a:solidFill>
-                  <a:srgbClr val="38761D"/>
-                </a:solidFill>
-              </a:rPr>
-              <a:t>Hadoop</a:t>
-            </a:r>
-            <a:r>
-              <a:rPr lang="fr" sz="3000" b="1" dirty="0">
-                <a:solidFill>
-                  <a:srgbClr val="38761D"/>
-                </a:solidFill>
-              </a:rPr>
-              <a:t> Quiz</a:t>
-            </a:r>
-            <a:endParaRPr sz="3000" b="1" dirty="0">
-              <a:solidFill>
-                <a:schemeClr val="dk1"/>
-              </a:solidFill>
-            </a:endParaRPr>
-          </a:p>
-          <a:p>
-            <a:pPr marL="0" marR="0" lvl="0" indent="0" algn="l" rtl="0">
-              <a:lnSpc>
-                <a:spcPct val="115000"/>
-              </a:lnSpc>
-              <a:spcBef>
-                <a:spcPts val="1600"/>
-              </a:spcBef>
-              <a:spcAft>
-                <a:spcPts val="0"/>
-              </a:spcAft>
-              <a:buNone/>
-            </a:pPr>
-            <a:endParaRPr sz="1600" dirty="0">
-              <a:solidFill>
-                <a:schemeClr val="dk1"/>
-              </a:solidFill>
-            </a:endParaRPr>
-          </a:p>
-          <a:p>
-            <a:pPr marL="0" lvl="0" indent="0">
-              <a:spcBef>
-                <a:spcPts val="1600"/>
-              </a:spcBef>
-              <a:buNone/>
-            </a:pPr>
-            <a:r>
-              <a:rPr lang="fr" sz="1600" dirty="0">
-                <a:solidFill>
-                  <a:schemeClr val="dk1"/>
-                </a:solidFill>
-              </a:rPr>
-              <a:t>Allez sur cette page et répondez au Quiz 5</a:t>
-            </a:r>
-            <a:r>
-              <a:rPr lang="fr-FR" sz="1600" dirty="0">
-                <a:solidFill>
-                  <a:schemeClr val="dk1"/>
-                </a:solidFill>
-              </a:rPr>
-              <a:t>: </a:t>
-            </a:r>
-            <a:r>
-              <a:rPr lang="fr-FR" sz="1600" dirty="0">
-                <a:solidFill>
-                  <a:schemeClr val="dk1"/>
-                </a:solidFill>
-                <a:hlinkClick r:id="rId3"/>
-              </a:rPr>
-              <a:t>https://kahoot.it/</a:t>
-            </a:r>
-            <a:r>
-              <a:rPr lang="fr-FR" sz="1600" dirty="0">
-                <a:solidFill>
-                  <a:schemeClr val="dk1"/>
-                </a:solidFill>
-              </a:rPr>
-              <a:t> </a:t>
-            </a:r>
-            <a:endParaRPr sz="1600" dirty="0">
-              <a:solidFill>
-                <a:schemeClr val="dk1"/>
-              </a:solidFill>
-            </a:endParaRPr>
-          </a:p>
-          <a:p>
-            <a:pPr marL="0" marR="0" lvl="0" indent="0" algn="l" rtl="0">
-              <a:lnSpc>
-                <a:spcPct val="115000"/>
-              </a:lnSpc>
-              <a:spcBef>
-                <a:spcPts val="1600"/>
-              </a:spcBef>
-              <a:spcAft>
-                <a:spcPts val="1600"/>
-              </a:spcAft>
-              <a:buNone/>
-            </a:pPr>
-            <a:endParaRPr sz="1600" dirty="0">
-              <a:solidFill>
-                <a:schemeClr val="dk1"/>
-              </a:solidFill>
-            </a:endParaRPr>
-          </a:p>
-        </p:txBody>
-      </p:sp>
-      <p:sp>
-        <p:nvSpPr>
-          <p:cNvPr id="877" name="Google Shape;877;p57"/>
-          <p:cNvSpPr txBox="1">
-            <a:spLocks noGrp="1"/>
-          </p:cNvSpPr>
-          <p:nvPr>
-            <p:ph type="sldNum" idx="12"/>
-          </p:nvPr>
-        </p:nvSpPr>
-        <p:spPr>
-          <a:xfrm>
-            <a:off x="8472458" y="4663217"/>
-            <a:ext cx="548700" cy="393600"/>
-          </a:xfrm>
-          <a:prstGeom prst="rect">
-            <a:avLst/>
-          </a:prstGeom>
-        </p:spPr>
-        <p:txBody>
-          <a:bodyPr spcFirstLastPara="1" wrap="square" lIns="91425" tIns="91425" rIns="91425" bIns="91425" anchor="ctr" anchorCtr="0">
-            <a:noAutofit/>
-          </a:bodyPr>
-          <a:lstStyle/>
-          <a:p>
-            <a:pPr marL="0" lvl="0" indent="0" algn="r" rtl="0">
-              <a:spcBef>
-                <a:spcPts val="0"/>
-              </a:spcBef>
-              <a:spcAft>
-                <a:spcPts val="0"/>
-              </a:spcAft>
-              <a:buNone/>
-            </a:pPr>
-            <a:fld id="{00000000-1234-1234-1234-123412341234}" type="slidenum">
-              <a:rPr lang="fr"/>
-              <a:t>28</a:t>
-            </a:fld>
-            <a:endParaRPr/>
-          </a:p>
-        </p:txBody>
-      </p:sp>
-    </p:spTree>
-  </p:cSld>
-  <p:clrMapOvr>
-    <a:masterClrMapping/>
-  </p:clrMapOvr>
-</p:sld>
-</file>
-
 <file path=ppt/slides/slide3.xml><?xml version="1.0" encoding="utf-8"?>
 <p:sld xmlns:a="http://schemas.openxmlformats.org/drawingml/2006/main" xmlns:r="http://schemas.openxmlformats.org/officeDocument/2006/relationships" xmlns:p="http://schemas.openxmlformats.org/presentationml/2006/main">
   <p:cSld>
